--- a/paper/hello.pptx
+++ b/paper/hello.pptx
@@ -104,6 +104,11 @@
       </a:defRPr>
     </a:lvl9pPr>
   </p:defaultTextStyle>
+  <p:extLst>
+    <p:ext uri="{EFAFB233-063F-42B5-8137-9DF3F51BA10A}">
+      <p15:sldGuideLst xmlns:p15="http://schemas.microsoft.com/office/powerpoint/2012/main"/>
+    </p:ext>
+  </p:extLst>
 </p:presentation>
 </file>
 
@@ -238,7 +243,7 @@
           <a:p>
             <a:fld id="{EA681690-AED4-EF40-B9DF-04860B986865}" type="datetimeFigureOut">
               <a:rPr lang="en-US" smtClean="0"/>
-              <a:t>1/10/22</a:t>
+              <a:t>1/15/22</a:t>
             </a:fld>
             <a:endParaRPr lang="en-US"/>
           </a:p>
@@ -408,7 +413,7 @@
           <a:p>
             <a:fld id="{EA681690-AED4-EF40-B9DF-04860B986865}" type="datetimeFigureOut">
               <a:rPr lang="en-US" smtClean="0"/>
-              <a:t>1/10/22</a:t>
+              <a:t>1/15/22</a:t>
             </a:fld>
             <a:endParaRPr lang="en-US"/>
           </a:p>
@@ -588,7 +593,7 @@
           <a:p>
             <a:fld id="{EA681690-AED4-EF40-B9DF-04860B986865}" type="datetimeFigureOut">
               <a:rPr lang="en-US" smtClean="0"/>
-              <a:t>1/10/22</a:t>
+              <a:t>1/15/22</a:t>
             </a:fld>
             <a:endParaRPr lang="en-US"/>
           </a:p>
@@ -758,7 +763,7 @@
           <a:p>
             <a:fld id="{EA681690-AED4-EF40-B9DF-04860B986865}" type="datetimeFigureOut">
               <a:rPr lang="en-US" smtClean="0"/>
-              <a:t>1/10/22</a:t>
+              <a:t>1/15/22</a:t>
             </a:fld>
             <a:endParaRPr lang="en-US"/>
           </a:p>
@@ -1002,7 +1007,7 @@
           <a:p>
             <a:fld id="{EA681690-AED4-EF40-B9DF-04860B986865}" type="datetimeFigureOut">
               <a:rPr lang="en-US" smtClean="0"/>
-              <a:t>1/10/22</a:t>
+              <a:t>1/15/22</a:t>
             </a:fld>
             <a:endParaRPr lang="en-US"/>
           </a:p>
@@ -1234,7 +1239,7 @@
           <a:p>
             <a:fld id="{EA681690-AED4-EF40-B9DF-04860B986865}" type="datetimeFigureOut">
               <a:rPr lang="en-US" smtClean="0"/>
-              <a:t>1/10/22</a:t>
+              <a:t>1/15/22</a:t>
             </a:fld>
             <a:endParaRPr lang="en-US"/>
           </a:p>
@@ -1601,7 +1606,7 @@
           <a:p>
             <a:fld id="{EA681690-AED4-EF40-B9DF-04860B986865}" type="datetimeFigureOut">
               <a:rPr lang="en-US" smtClean="0"/>
-              <a:t>1/10/22</a:t>
+              <a:t>1/15/22</a:t>
             </a:fld>
             <a:endParaRPr lang="en-US"/>
           </a:p>
@@ -1719,7 +1724,7 @@
           <a:p>
             <a:fld id="{EA681690-AED4-EF40-B9DF-04860B986865}" type="datetimeFigureOut">
               <a:rPr lang="en-US" smtClean="0"/>
-              <a:t>1/10/22</a:t>
+              <a:t>1/15/22</a:t>
             </a:fld>
             <a:endParaRPr lang="en-US"/>
           </a:p>
@@ -1814,7 +1819,7 @@
           <a:p>
             <a:fld id="{EA681690-AED4-EF40-B9DF-04860B986865}" type="datetimeFigureOut">
               <a:rPr lang="en-US" smtClean="0"/>
-              <a:t>1/10/22</a:t>
+              <a:t>1/15/22</a:t>
             </a:fld>
             <a:endParaRPr lang="en-US"/>
           </a:p>
@@ -2091,7 +2096,7 @@
           <a:p>
             <a:fld id="{EA681690-AED4-EF40-B9DF-04860B986865}" type="datetimeFigureOut">
               <a:rPr lang="en-US" smtClean="0"/>
-              <a:t>1/10/22</a:t>
+              <a:t>1/15/22</a:t>
             </a:fld>
             <a:endParaRPr lang="en-US"/>
           </a:p>
@@ -2348,7 +2353,7 @@
           <a:p>
             <a:fld id="{EA681690-AED4-EF40-B9DF-04860B986865}" type="datetimeFigureOut">
               <a:rPr lang="en-US" smtClean="0"/>
-              <a:t>1/10/22</a:t>
+              <a:t>1/15/22</a:t>
             </a:fld>
             <a:endParaRPr lang="en-US"/>
           </a:p>
@@ -2561,7 +2566,7 @@
           <a:p>
             <a:fld id="{EA681690-AED4-EF40-B9DF-04860B986865}" type="datetimeFigureOut">
               <a:rPr lang="en-US" smtClean="0"/>
-              <a:t>1/10/22</a:t>
+              <a:t>1/15/22</a:t>
             </a:fld>
             <a:endParaRPr lang="en-US"/>
           </a:p>
@@ -3035,8 +3040,7 @@
           <a:bodyPr rtlCol="0" anchor="ctr"/>
           <a:lstStyle/>
           <a:p>
-            <a:pPr algn="ctr"/>
-            <a:endParaRPr lang="en-US" sz="1013"/>
+            <a:endParaRPr lang="en-US" sz="1000"/>
           </a:p>
         </p:txBody>
       </p:sp>
@@ -3098,8 +3102,7 @@
           <a:bodyPr rtlCol="0" anchor="ctr"/>
           <a:lstStyle/>
           <a:p>
-            <a:pPr algn="ctr"/>
-            <a:endParaRPr lang="en-US" sz="1013" dirty="0"/>
+            <a:endParaRPr lang="en-US" sz="1000" dirty="0"/>
           </a:p>
         </p:txBody>
       </p:sp>
@@ -3125,7 +3128,7 @@
         </p:blipFill>
         <p:spPr>
           <a:xfrm>
-            <a:off x="3543987" y="781048"/>
+            <a:off x="2946411" y="755671"/>
             <a:ext cx="1727200" cy="358551"/>
           </a:xfrm>
           <a:prstGeom prst="rect">
@@ -3155,7 +3158,7 @@
         </p:blipFill>
         <p:spPr>
           <a:xfrm>
-            <a:off x="4089110" y="1171589"/>
+            <a:off x="3851569" y="1156273"/>
             <a:ext cx="1533909" cy="370378"/>
           </a:xfrm>
           <a:prstGeom prst="rect">
@@ -3185,8 +3188,730 @@
         </p:blipFill>
         <p:spPr>
           <a:xfrm>
-            <a:off x="3469960" y="1416583"/>
+            <a:off x="3032396" y="1288960"/>
             <a:ext cx="568895" cy="601663"/>
+          </a:xfrm>
+          <a:prstGeom prst="rect">
+            <a:avLst/>
+          </a:prstGeom>
+        </p:spPr>
+      </p:pic>
+      <p:pic>
+        <p:nvPicPr>
+          <p:cNvPr id="13" name="Picture 12" descr="Shape, circle&#10;&#10;Description automatically generated">
+            <a:extLst>
+              <a:ext uri="{FF2B5EF4-FFF2-40B4-BE49-F238E27FC236}">
+                <a16:creationId xmlns:a16="http://schemas.microsoft.com/office/drawing/2014/main" id="{36ED3420-6204-204E-9746-E9915D7D6E2C}"/>
+              </a:ext>
+            </a:extLst>
+          </p:cNvPr>
+          <p:cNvPicPr>
+            <a:picLocks noChangeAspect="1"/>
+          </p:cNvPicPr>
+          <p:nvPr/>
+        </p:nvPicPr>
+        <p:blipFill>
+          <a:blip r:embed="rId5"/>
+          <a:stretch>
+            <a:fillRect/>
+          </a:stretch>
+        </p:blipFill>
+        <p:spPr>
+          <a:xfrm>
+            <a:off x="2616200" y="1927569"/>
+            <a:ext cx="2584439" cy="381063"/>
+          </a:xfrm>
+          <a:prstGeom prst="rect">
+            <a:avLst/>
+          </a:prstGeom>
+        </p:spPr>
+      </p:pic>
+      <p:pic>
+        <p:nvPicPr>
+          <p:cNvPr id="15" name="Picture 14" descr="Diagram&#10;&#10;Description automatically generated">
+            <a:extLst>
+              <a:ext uri="{FF2B5EF4-FFF2-40B4-BE49-F238E27FC236}">
+                <a16:creationId xmlns:a16="http://schemas.microsoft.com/office/drawing/2014/main" id="{283D3249-ED21-4B41-B8C2-936344E1320C}"/>
+              </a:ext>
+            </a:extLst>
+          </p:cNvPr>
+          <p:cNvPicPr>
+            <a:picLocks noChangeAspect="1"/>
+          </p:cNvPicPr>
+          <p:nvPr/>
+        </p:nvPicPr>
+        <p:blipFill>
+          <a:blip r:embed="rId6"/>
+          <a:stretch>
+            <a:fillRect/>
+          </a:stretch>
+        </p:blipFill>
+        <p:spPr>
+          <a:xfrm>
+            <a:off x="2322862" y="2290689"/>
+            <a:ext cx="2513344" cy="730154"/>
+          </a:xfrm>
+          <a:prstGeom prst="rect">
+            <a:avLst/>
+          </a:prstGeom>
+        </p:spPr>
+      </p:pic>
+      <p:pic>
+        <p:nvPicPr>
+          <p:cNvPr id="19" name="Picture 18" descr="Diagram&#10;&#10;Description automatically generated">
+            <a:extLst>
+              <a:ext uri="{FF2B5EF4-FFF2-40B4-BE49-F238E27FC236}">
+                <a16:creationId xmlns:a16="http://schemas.microsoft.com/office/drawing/2014/main" id="{62455BB3-2BAE-344C-9F86-C9900C02BAD6}"/>
+              </a:ext>
+            </a:extLst>
+          </p:cNvPr>
+          <p:cNvPicPr>
+            <a:picLocks noChangeAspect="1"/>
+          </p:cNvPicPr>
+          <p:nvPr/>
+        </p:nvPicPr>
+        <p:blipFill>
+          <a:blip r:embed="rId7"/>
+          <a:stretch>
+            <a:fillRect/>
+          </a:stretch>
+        </p:blipFill>
+        <p:spPr>
+          <a:xfrm>
+            <a:off x="2531135" y="4057581"/>
+            <a:ext cx="3741426" cy="721027"/>
+          </a:xfrm>
+          <a:prstGeom prst="rect">
+            <a:avLst/>
+          </a:prstGeom>
+        </p:spPr>
+      </p:pic>
+      <p:sp>
+        <p:nvSpPr>
+          <p:cNvPr id="20" name="TextBox 19">
+            <a:extLst>
+              <a:ext uri="{FF2B5EF4-FFF2-40B4-BE49-F238E27FC236}">
+                <a16:creationId xmlns:a16="http://schemas.microsoft.com/office/drawing/2014/main" id="{2F3206A5-801E-764B-9E79-C3D2C825EBE0}"/>
+              </a:ext>
+            </a:extLst>
+          </p:cNvPr>
+          <p:cNvSpPr txBox="1"/>
+          <p:nvPr/>
+        </p:nvSpPr>
+        <p:spPr>
+          <a:xfrm>
+            <a:off x="958852" y="837225"/>
+            <a:ext cx="1200148" cy="246221"/>
+          </a:xfrm>
+          <a:prstGeom prst="rect">
+            <a:avLst/>
+          </a:prstGeom>
+          <a:noFill/>
+          <a:ln>
+            <a:solidFill>
+              <a:schemeClr val="tx1"/>
+            </a:solidFill>
+          </a:ln>
+        </p:spPr>
+        <p:txBody>
+          <a:bodyPr wrap="square" rtlCol="0">
+            <a:spAutoFit/>
+          </a:bodyPr>
+          <a:lstStyle/>
+          <a:p>
+            <a:r>
+              <a:rPr lang="en-US" sz="1000" dirty="0"/>
+              <a:t>print “hello world”</a:t>
+            </a:r>
+          </a:p>
+        </p:txBody>
+      </p:sp>
+      <p:sp>
+        <p:nvSpPr>
+          <p:cNvPr id="23" name="TextBox 22">
+            <a:extLst>
+              <a:ext uri="{FF2B5EF4-FFF2-40B4-BE49-F238E27FC236}">
+                <a16:creationId xmlns:a16="http://schemas.microsoft.com/office/drawing/2014/main" id="{D8F1B22D-EF38-D145-A822-4C0C40E9A981}"/>
+              </a:ext>
+            </a:extLst>
+          </p:cNvPr>
+          <p:cNvSpPr txBox="1"/>
+          <p:nvPr/>
+        </p:nvSpPr>
+        <p:spPr>
+          <a:xfrm>
+            <a:off x="958852" y="1139599"/>
+            <a:ext cx="1897209" cy="246221"/>
+          </a:xfrm>
+          <a:prstGeom prst="rect">
+            <a:avLst/>
+          </a:prstGeom>
+          <a:noFill/>
+          <a:ln>
+            <a:solidFill>
+              <a:schemeClr val="tx1"/>
+            </a:solidFill>
+          </a:ln>
+        </p:spPr>
+        <p:txBody>
+          <a:bodyPr wrap="square" rtlCol="0">
+            <a:spAutoFit/>
+          </a:bodyPr>
+          <a:lstStyle/>
+          <a:p>
+            <a:r>
+              <a:rPr lang="en-US" sz="1000" dirty="0"/>
+              <a:t>print choose { “hello”, “ world” }</a:t>
+            </a:r>
+          </a:p>
+        </p:txBody>
+      </p:sp>
+      <p:sp>
+        <p:nvSpPr>
+          <p:cNvPr id="28" name="TextBox 27">
+            <a:extLst>
+              <a:ext uri="{FF2B5EF4-FFF2-40B4-BE49-F238E27FC236}">
+                <a16:creationId xmlns:a16="http://schemas.microsoft.com/office/drawing/2014/main" id="{2BCB0294-4BD0-B842-8615-6694DF0744E3}"/>
+              </a:ext>
+            </a:extLst>
+          </p:cNvPr>
+          <p:cNvSpPr txBox="1"/>
+          <p:nvPr/>
+        </p:nvSpPr>
+        <p:spPr>
+          <a:xfrm>
+            <a:off x="958852" y="1438138"/>
+            <a:ext cx="1657348" cy="400110"/>
+          </a:xfrm>
+          <a:prstGeom prst="rect">
+            <a:avLst/>
+          </a:prstGeom>
+          <a:noFill/>
+          <a:ln>
+            <a:solidFill>
+              <a:schemeClr val="tx1"/>
+            </a:solidFill>
+          </a:ln>
+        </p:spPr>
+        <p:txBody>
+          <a:bodyPr wrap="square" rtlCol="0">
+            <a:spAutoFit/>
+          </a:bodyPr>
+          <a:lstStyle/>
+          <a:p>
+            <a:r>
+              <a:rPr lang="en-US" sz="1000" dirty="0"/>
+              <a:t>while choose { False, True }:</a:t>
+            </a:r>
+          </a:p>
+          <a:p>
+            <a:r>
+              <a:rPr lang="en-US" sz="1000" dirty="0"/>
+              <a:t>     print “hello world” </a:t>
+            </a:r>
+          </a:p>
+        </p:txBody>
+      </p:sp>
+      <p:sp>
+        <p:nvSpPr>
+          <p:cNvPr id="29" name="TextBox 28">
+            <a:extLst>
+              <a:ext uri="{FF2B5EF4-FFF2-40B4-BE49-F238E27FC236}">
+                <a16:creationId xmlns:a16="http://schemas.microsoft.com/office/drawing/2014/main" id="{996F6BD9-CE9B-3A4D-AC02-3393C6428F4C}"/>
+              </a:ext>
+            </a:extLst>
+          </p:cNvPr>
+          <p:cNvSpPr txBox="1"/>
+          <p:nvPr/>
+        </p:nvSpPr>
+        <p:spPr>
+          <a:xfrm>
+            <a:off x="958852" y="1908522"/>
+            <a:ext cx="1304846" cy="400110"/>
+          </a:xfrm>
+          <a:prstGeom prst="rect">
+            <a:avLst/>
+          </a:prstGeom>
+          <a:noFill/>
+          <a:ln>
+            <a:solidFill>
+              <a:schemeClr val="tx1"/>
+            </a:solidFill>
+          </a:ln>
+        </p:spPr>
+        <p:txBody>
+          <a:bodyPr wrap="square" rtlCol="0">
+            <a:spAutoFit/>
+          </a:bodyPr>
+          <a:lstStyle/>
+          <a:p>
+            <a:r>
+              <a:rPr lang="en-US" sz="1000" dirty="0"/>
+              <a:t>def p(s): print s</a:t>
+            </a:r>
+          </a:p>
+          <a:p>
+            <a:r>
+              <a:rPr lang="en-US" sz="1000" dirty="0"/>
+              <a:t>p("hello"); p("world")</a:t>
+            </a:r>
+          </a:p>
+        </p:txBody>
+      </p:sp>
+      <p:sp>
+        <p:nvSpPr>
+          <p:cNvPr id="30" name="TextBox 29">
+            <a:extLst>
+              <a:ext uri="{FF2B5EF4-FFF2-40B4-BE49-F238E27FC236}">
+                <a16:creationId xmlns:a16="http://schemas.microsoft.com/office/drawing/2014/main" id="{9592CEB5-04D7-FF46-AEA4-31E7DAC341CE}"/>
+              </a:ext>
+            </a:extLst>
+          </p:cNvPr>
+          <p:cNvSpPr txBox="1"/>
+          <p:nvPr/>
+        </p:nvSpPr>
+        <p:spPr>
+          <a:xfrm>
+            <a:off x="958852" y="2360951"/>
+            <a:ext cx="1137578" cy="553998"/>
+          </a:xfrm>
+          <a:prstGeom prst="rect">
+            <a:avLst/>
+          </a:prstGeom>
+          <a:noFill/>
+          <a:ln>
+            <a:solidFill>
+              <a:schemeClr val="tx1"/>
+            </a:solidFill>
+          </a:ln>
+        </p:spPr>
+        <p:txBody>
+          <a:bodyPr wrap="square" rtlCol="0">
+            <a:spAutoFit/>
+          </a:bodyPr>
+          <a:lstStyle/>
+          <a:p>
+            <a:r>
+              <a:rPr lang="en-US" sz="1000" dirty="0"/>
+              <a:t>def p(s): print s</a:t>
+            </a:r>
+          </a:p>
+          <a:p>
+            <a:r>
+              <a:rPr lang="en-US" sz="1000" dirty="0"/>
+              <a:t>spawn p("hello")</a:t>
+            </a:r>
+          </a:p>
+          <a:p>
+            <a:r>
+              <a:rPr lang="en-US" sz="1000" dirty="0"/>
+              <a:t>spawn p("world")</a:t>
+            </a:r>
+          </a:p>
+        </p:txBody>
+      </p:sp>
+      <p:sp>
+        <p:nvSpPr>
+          <p:cNvPr id="31" name="TextBox 30">
+            <a:extLst>
+              <a:ext uri="{FF2B5EF4-FFF2-40B4-BE49-F238E27FC236}">
+                <a16:creationId xmlns:a16="http://schemas.microsoft.com/office/drawing/2014/main" id="{3F2BB10D-A064-3344-94E3-752D7C9789FD}"/>
+              </a:ext>
+            </a:extLst>
+          </p:cNvPr>
+          <p:cNvSpPr txBox="1"/>
+          <p:nvPr/>
+        </p:nvSpPr>
+        <p:spPr>
+          <a:xfrm>
+            <a:off x="958852" y="2968468"/>
+            <a:ext cx="1427510" cy="861774"/>
+          </a:xfrm>
+          <a:prstGeom prst="rect">
+            <a:avLst/>
+          </a:prstGeom>
+          <a:noFill/>
+          <a:ln>
+            <a:solidFill>
+              <a:schemeClr val="tx1"/>
+            </a:solidFill>
+          </a:ln>
+        </p:spPr>
+        <p:txBody>
+          <a:bodyPr wrap="square" rtlCol="0">
+            <a:spAutoFit/>
+          </a:bodyPr>
+          <a:lstStyle/>
+          <a:p>
+            <a:r>
+              <a:rPr lang="en-US" sz="1000" dirty="0"/>
+              <a:t>def hello(name):</a:t>
+            </a:r>
+          </a:p>
+          <a:p>
+            <a:r>
+              <a:rPr lang="en-US" sz="1000" dirty="0"/>
+              <a:t>    print "hello"</a:t>
+            </a:r>
+          </a:p>
+          <a:p>
+            <a:r>
+              <a:rPr lang="en-US" sz="1000" dirty="0"/>
+              <a:t>    print name</a:t>
+            </a:r>
+          </a:p>
+          <a:p>
+            <a:r>
+              <a:rPr lang="en-US" sz="1000" dirty="0"/>
+              <a:t>spawn hello("Lesley")</a:t>
+            </a:r>
+          </a:p>
+          <a:p>
+            <a:r>
+              <a:rPr lang="en-US" sz="1000" dirty="0"/>
+              <a:t>spawn hello("</a:t>
+            </a:r>
+            <a:r>
+              <a:rPr lang="en-US" sz="1000" dirty="0" err="1"/>
+              <a:t>Robbert</a:t>
+            </a:r>
+            <a:r>
+              <a:rPr lang="en-US" sz="1000" dirty="0"/>
+              <a:t>")</a:t>
+            </a:r>
+          </a:p>
+        </p:txBody>
+      </p:sp>
+      <p:sp>
+        <p:nvSpPr>
+          <p:cNvPr id="32" name="TextBox 31">
+            <a:extLst>
+              <a:ext uri="{FF2B5EF4-FFF2-40B4-BE49-F238E27FC236}">
+                <a16:creationId xmlns:a16="http://schemas.microsoft.com/office/drawing/2014/main" id="{AB19D261-B392-6C40-8E04-3506C989F20F}"/>
+              </a:ext>
+            </a:extLst>
+          </p:cNvPr>
+          <p:cNvSpPr txBox="1"/>
+          <p:nvPr/>
+        </p:nvSpPr>
+        <p:spPr>
+          <a:xfrm>
+            <a:off x="958851" y="3899951"/>
+            <a:ext cx="1427511" cy="1015663"/>
+          </a:xfrm>
+          <a:prstGeom prst="rect">
+            <a:avLst/>
+          </a:prstGeom>
+          <a:noFill/>
+          <a:ln>
+            <a:solidFill>
+              <a:schemeClr val="tx1"/>
+            </a:solidFill>
+          </a:ln>
+        </p:spPr>
+        <p:txBody>
+          <a:bodyPr wrap="square" rtlCol="0">
+            <a:spAutoFit/>
+          </a:bodyPr>
+          <a:lstStyle/>
+          <a:p>
+            <a:r>
+              <a:rPr lang="en-US" sz="1000" dirty="0"/>
+              <a:t>def hello(name):</a:t>
+            </a:r>
+          </a:p>
+          <a:p>
+            <a:r>
+              <a:rPr lang="en-US" sz="1000" dirty="0"/>
+              <a:t>    atomically:</a:t>
+            </a:r>
+          </a:p>
+          <a:p>
+            <a:r>
+              <a:rPr lang="en-US" sz="1000" dirty="0"/>
+              <a:t>        print "hello"</a:t>
+            </a:r>
+          </a:p>
+          <a:p>
+            <a:r>
+              <a:rPr lang="en-US" sz="1000" dirty="0"/>
+              <a:t>        print name</a:t>
+            </a:r>
+          </a:p>
+          <a:p>
+            <a:r>
+              <a:rPr lang="en-US" sz="1000" dirty="0"/>
+              <a:t>spawn hello("Lesley")</a:t>
+            </a:r>
+          </a:p>
+          <a:p>
+            <a:r>
+              <a:rPr lang="en-US" sz="1000" dirty="0"/>
+              <a:t>spawn hello("</a:t>
+            </a:r>
+            <a:r>
+              <a:rPr lang="en-US" sz="1000" dirty="0" err="1"/>
+              <a:t>Robbert</a:t>
+            </a:r>
+            <a:r>
+              <a:rPr lang="en-US" sz="1000" dirty="0"/>
+              <a:t>")</a:t>
+            </a:r>
+          </a:p>
+        </p:txBody>
+      </p:sp>
+      <p:sp>
+        <p:nvSpPr>
+          <p:cNvPr id="33" name="TextBox 32">
+            <a:extLst>
+              <a:ext uri="{FF2B5EF4-FFF2-40B4-BE49-F238E27FC236}">
+                <a16:creationId xmlns:a16="http://schemas.microsoft.com/office/drawing/2014/main" id="{DD33FD97-D758-D24F-BC6E-DF5A764CB8F4}"/>
+              </a:ext>
+            </a:extLst>
+          </p:cNvPr>
+          <p:cNvSpPr txBox="1"/>
+          <p:nvPr/>
+        </p:nvSpPr>
+        <p:spPr>
+          <a:xfrm>
+            <a:off x="958851" y="6036699"/>
+            <a:ext cx="936291" cy="861774"/>
+          </a:xfrm>
+          <a:prstGeom prst="rect">
+            <a:avLst/>
+          </a:prstGeom>
+          <a:noFill/>
+          <a:ln>
+            <a:solidFill>
+              <a:schemeClr val="tx1"/>
+            </a:solidFill>
+          </a:ln>
+        </p:spPr>
+        <p:txBody>
+          <a:bodyPr wrap="square" rtlCol="0">
+            <a:spAutoFit/>
+          </a:bodyPr>
+          <a:lstStyle/>
+          <a:p>
+            <a:r>
+              <a:rPr lang="en-US" sz="1000" dirty="0"/>
+              <a:t>x = False</a:t>
+            </a:r>
+          </a:p>
+          <a:p>
+            <a:r>
+              <a:rPr lang="en-US" sz="1000" dirty="0"/>
+              <a:t>def f():</a:t>
+            </a:r>
+          </a:p>
+          <a:p>
+            <a:r>
+              <a:rPr lang="en-US" sz="1000" dirty="0"/>
+              <a:t>    print "hello"</a:t>
+            </a:r>
+          </a:p>
+          <a:p>
+            <a:r>
+              <a:rPr lang="en-US" sz="1000" dirty="0"/>
+              <a:t>    atomically:</a:t>
+            </a:r>
+          </a:p>
+          <a:p>
+            <a:r>
+              <a:rPr lang="en-US" sz="1000" dirty="0"/>
+              <a:t>        x = True</a:t>
+            </a:r>
+          </a:p>
+        </p:txBody>
+      </p:sp>
+      <p:pic>
+        <p:nvPicPr>
+          <p:cNvPr id="34" name="Picture 33" descr="Shape, circle&#10;&#10;Description automatically generated">
+            <a:extLst>
+              <a:ext uri="{FF2B5EF4-FFF2-40B4-BE49-F238E27FC236}">
+                <a16:creationId xmlns:a16="http://schemas.microsoft.com/office/drawing/2014/main" id="{70F37E56-2212-0E4E-BD28-D93E5CBAC811}"/>
+              </a:ext>
+            </a:extLst>
+          </p:cNvPr>
+          <p:cNvPicPr>
+            <a:picLocks noChangeAspect="1"/>
+          </p:cNvPicPr>
+          <p:nvPr/>
+        </p:nvPicPr>
+        <p:blipFill>
+          <a:blip r:embed="rId5"/>
+          <a:stretch>
+            <a:fillRect/>
+          </a:stretch>
+        </p:blipFill>
+        <p:spPr>
+          <a:xfrm>
+            <a:off x="3316843" y="6154130"/>
+            <a:ext cx="2584439" cy="381063"/>
+          </a:xfrm>
+          <a:prstGeom prst="rect">
+            <a:avLst/>
+          </a:prstGeom>
+        </p:spPr>
+      </p:pic>
+      <p:sp>
+        <p:nvSpPr>
+          <p:cNvPr id="35" name="TextBox 34">
+            <a:extLst>
+              <a:ext uri="{FF2B5EF4-FFF2-40B4-BE49-F238E27FC236}">
+                <a16:creationId xmlns:a16="http://schemas.microsoft.com/office/drawing/2014/main" id="{B8F16D96-A65E-BE45-BC31-DC92C999E5EE}"/>
+              </a:ext>
+            </a:extLst>
+          </p:cNvPr>
+          <p:cNvSpPr txBox="1"/>
+          <p:nvPr/>
+        </p:nvSpPr>
+        <p:spPr>
+          <a:xfrm>
+            <a:off x="1895142" y="6036699"/>
+            <a:ext cx="1260242" cy="861774"/>
+          </a:xfrm>
+          <a:prstGeom prst="rect">
+            <a:avLst/>
+          </a:prstGeom>
+          <a:noFill/>
+          <a:ln>
+            <a:solidFill>
+              <a:schemeClr val="tx1"/>
+            </a:solidFill>
+          </a:ln>
+        </p:spPr>
+        <p:txBody>
+          <a:bodyPr wrap="square" rtlCol="0">
+            <a:spAutoFit/>
+          </a:bodyPr>
+          <a:lstStyle/>
+          <a:p>
+            <a:r>
+              <a:rPr lang="en-US" sz="1000" dirty="0"/>
+              <a:t>def g():</a:t>
+            </a:r>
+          </a:p>
+          <a:p>
+            <a:r>
+              <a:rPr lang="en-US" sz="1000" dirty="0"/>
+              <a:t>    atomically when x:</a:t>
+            </a:r>
+          </a:p>
+          <a:p>
+            <a:r>
+              <a:rPr lang="en-US" sz="1000" dirty="0"/>
+              <a:t>         print "world"</a:t>
+            </a:r>
+          </a:p>
+          <a:p>
+            <a:r>
+              <a:rPr lang="en-US" sz="1000" dirty="0"/>
+              <a:t>spawn f()</a:t>
+            </a:r>
+          </a:p>
+          <a:p>
+            <a:r>
+              <a:rPr lang="en-US" sz="1000" dirty="0"/>
+              <a:t>spawn g()</a:t>
+            </a:r>
+          </a:p>
+        </p:txBody>
+      </p:sp>
+      <p:sp>
+        <p:nvSpPr>
+          <p:cNvPr id="22" name="TextBox 21">
+            <a:extLst>
+              <a:ext uri="{FF2B5EF4-FFF2-40B4-BE49-F238E27FC236}">
+                <a16:creationId xmlns:a16="http://schemas.microsoft.com/office/drawing/2014/main" id="{11E5FAB8-A449-8A48-9453-E87C7D43A443}"/>
+              </a:ext>
+            </a:extLst>
+          </p:cNvPr>
+          <p:cNvSpPr txBox="1"/>
+          <p:nvPr/>
+        </p:nvSpPr>
+        <p:spPr>
+          <a:xfrm>
+            <a:off x="958852" y="4971716"/>
+            <a:ext cx="1260242" cy="1015663"/>
+          </a:xfrm>
+          <a:prstGeom prst="rect">
+            <a:avLst/>
+          </a:prstGeom>
+          <a:noFill/>
+          <a:ln>
+            <a:solidFill>
+              <a:schemeClr val="tx1"/>
+            </a:solidFill>
+          </a:ln>
+        </p:spPr>
+        <p:txBody>
+          <a:bodyPr wrap="square" rtlCol="0">
+            <a:spAutoFit/>
+          </a:bodyPr>
+          <a:lstStyle/>
+          <a:p>
+            <a:r>
+              <a:rPr lang="en-US" sz="1000" dirty="0"/>
+              <a:t>def handler():</a:t>
+            </a:r>
+          </a:p>
+          <a:p>
+            <a:r>
+              <a:rPr lang="en-US" sz="1000" dirty="0"/>
+              <a:t>    print "interrupt"</a:t>
+            </a:r>
+          </a:p>
+          <a:p>
+            <a:r>
+              <a:rPr lang="en-US" sz="1000" dirty="0"/>
+              <a:t>def thread():</a:t>
+            </a:r>
+          </a:p>
+          <a:p>
+            <a:r>
+              <a:rPr lang="en-US" sz="1000" dirty="0"/>
+              <a:t>    trap handler()</a:t>
+            </a:r>
+          </a:p>
+          <a:p>
+            <a:r>
+              <a:rPr lang="en-US" sz="1000" dirty="0"/>
+              <a:t>    print "hello world"</a:t>
+            </a:r>
+          </a:p>
+          <a:p>
+            <a:r>
+              <a:rPr lang="en-US" sz="1000" dirty="0"/>
+              <a:t>spawn thread()</a:t>
+            </a:r>
+          </a:p>
+        </p:txBody>
+      </p:sp>
+      <p:pic>
+        <p:nvPicPr>
+          <p:cNvPr id="3" name="Picture 2" descr="Diagram&#10;&#10;Description automatically generated">
+            <a:extLst>
+              <a:ext uri="{FF2B5EF4-FFF2-40B4-BE49-F238E27FC236}">
+                <a16:creationId xmlns:a16="http://schemas.microsoft.com/office/drawing/2014/main" id="{00E69FA5-DE6A-0C4A-B17F-26B6F8FE5B70}"/>
+              </a:ext>
+            </a:extLst>
+          </p:cNvPr>
+          <p:cNvPicPr>
+            <a:picLocks noChangeAspect="1"/>
+          </p:cNvPicPr>
+          <p:nvPr/>
+        </p:nvPicPr>
+        <p:blipFill>
+          <a:blip r:embed="rId8"/>
+          <a:stretch>
+            <a:fillRect/>
+          </a:stretch>
+        </p:blipFill>
+        <p:spPr>
+          <a:xfrm>
+            <a:off x="2706458" y="5017104"/>
+            <a:ext cx="2961982" cy="662700"/>
           </a:xfrm>
           <a:prstGeom prst="rect">
             <a:avLst/>
@@ -3208,647 +3933,21 @@
           <p:nvPr/>
         </p:nvPicPr>
         <p:blipFill>
-          <a:blip r:embed="rId5"/>
+          <a:blip r:embed="rId9"/>
           <a:stretch>
             <a:fillRect/>
           </a:stretch>
         </p:blipFill>
         <p:spPr>
           <a:xfrm>
-            <a:off x="2667000" y="3261003"/>
-            <a:ext cx="3545331" cy="923128"/>
+            <a:off x="2525263" y="3001708"/>
+            <a:ext cx="3789671" cy="986749"/>
           </a:xfrm>
           <a:prstGeom prst="rect">
             <a:avLst/>
           </a:prstGeom>
         </p:spPr>
       </p:pic>
-      <p:pic>
-        <p:nvPicPr>
-          <p:cNvPr id="13" name="Picture 12" descr="Shape, circle&#10;&#10;Description automatically generated">
-            <a:extLst>
-              <a:ext uri="{FF2B5EF4-FFF2-40B4-BE49-F238E27FC236}">
-                <a16:creationId xmlns:a16="http://schemas.microsoft.com/office/drawing/2014/main" id="{36ED3420-6204-204E-9746-E9915D7D6E2C}"/>
-              </a:ext>
-            </a:extLst>
-          </p:cNvPr>
-          <p:cNvPicPr>
-            <a:picLocks noChangeAspect="1"/>
-          </p:cNvPicPr>
-          <p:nvPr/>
-        </p:nvPicPr>
-        <p:blipFill>
-          <a:blip r:embed="rId6"/>
-          <a:stretch>
-            <a:fillRect/>
-          </a:stretch>
-        </p:blipFill>
-        <p:spPr>
-          <a:xfrm>
-            <a:off x="2946411" y="2093433"/>
-            <a:ext cx="2584439" cy="381063"/>
-          </a:xfrm>
-          <a:prstGeom prst="rect">
-            <a:avLst/>
-          </a:prstGeom>
-        </p:spPr>
-      </p:pic>
-      <p:pic>
-        <p:nvPicPr>
-          <p:cNvPr id="15" name="Picture 14" descr="Diagram&#10;&#10;Description automatically generated">
-            <a:extLst>
-              <a:ext uri="{FF2B5EF4-FFF2-40B4-BE49-F238E27FC236}">
-                <a16:creationId xmlns:a16="http://schemas.microsoft.com/office/drawing/2014/main" id="{283D3249-ED21-4B41-B8C2-936344E1320C}"/>
-              </a:ext>
-            </a:extLst>
-          </p:cNvPr>
-          <p:cNvPicPr>
-            <a:picLocks noChangeAspect="1"/>
-          </p:cNvPicPr>
-          <p:nvPr/>
-        </p:nvPicPr>
-        <p:blipFill>
-          <a:blip r:embed="rId7"/>
-          <a:stretch>
-            <a:fillRect/>
-          </a:stretch>
-        </p:blipFill>
-        <p:spPr>
-          <a:xfrm>
-            <a:off x="2497735" y="2515417"/>
-            <a:ext cx="2513344" cy="730154"/>
-          </a:xfrm>
-          <a:prstGeom prst="rect">
-            <a:avLst/>
-          </a:prstGeom>
-        </p:spPr>
-      </p:pic>
-      <p:pic>
-        <p:nvPicPr>
-          <p:cNvPr id="19" name="Picture 18" descr="Diagram&#10;&#10;Description automatically generated">
-            <a:extLst>
-              <a:ext uri="{FF2B5EF4-FFF2-40B4-BE49-F238E27FC236}">
-                <a16:creationId xmlns:a16="http://schemas.microsoft.com/office/drawing/2014/main" id="{62455BB3-2BAE-344C-9F86-C9900C02BAD6}"/>
-              </a:ext>
-            </a:extLst>
-          </p:cNvPr>
-          <p:cNvPicPr>
-            <a:picLocks noChangeAspect="1"/>
-          </p:cNvPicPr>
-          <p:nvPr/>
-        </p:nvPicPr>
-        <p:blipFill>
-          <a:blip r:embed="rId8"/>
-          <a:stretch>
-            <a:fillRect/>
-          </a:stretch>
-        </p:blipFill>
-        <p:spPr>
-          <a:xfrm>
-            <a:off x="2616200" y="4483100"/>
-            <a:ext cx="3545331" cy="717549"/>
-          </a:xfrm>
-          <a:prstGeom prst="rect">
-            <a:avLst/>
-          </a:prstGeom>
-        </p:spPr>
-      </p:pic>
-      <p:sp>
-        <p:nvSpPr>
-          <p:cNvPr id="20" name="TextBox 19">
-            <a:extLst>
-              <a:ext uri="{FF2B5EF4-FFF2-40B4-BE49-F238E27FC236}">
-                <a16:creationId xmlns:a16="http://schemas.microsoft.com/office/drawing/2014/main" id="{2F3206A5-801E-764B-9E79-C3D2C825EBE0}"/>
-              </a:ext>
-            </a:extLst>
-          </p:cNvPr>
-          <p:cNvSpPr txBox="1"/>
-          <p:nvPr/>
-        </p:nvSpPr>
-        <p:spPr>
-          <a:xfrm>
-            <a:off x="958852" y="837225"/>
-            <a:ext cx="1356614" cy="261610"/>
-          </a:xfrm>
-          <a:prstGeom prst="rect">
-            <a:avLst/>
-          </a:prstGeom>
-          <a:noFill/>
-          <a:ln>
-            <a:solidFill>
-              <a:schemeClr val="tx1"/>
-            </a:solidFill>
-          </a:ln>
-        </p:spPr>
-        <p:txBody>
-          <a:bodyPr wrap="square" rtlCol="0">
-            <a:spAutoFit/>
-          </a:bodyPr>
-          <a:lstStyle/>
-          <a:p>
-            <a:pPr algn="ctr"/>
-            <a:r>
-              <a:rPr lang="en-US" sz="1100" dirty="0"/>
-              <a:t>print “hello world”</a:t>
-            </a:r>
-          </a:p>
-        </p:txBody>
-      </p:sp>
-      <p:sp>
-        <p:nvSpPr>
-          <p:cNvPr id="23" name="TextBox 22">
-            <a:extLst>
-              <a:ext uri="{FF2B5EF4-FFF2-40B4-BE49-F238E27FC236}">
-                <a16:creationId xmlns:a16="http://schemas.microsoft.com/office/drawing/2014/main" id="{D8F1B22D-EF38-D145-A822-4C0C40E9A981}"/>
-              </a:ext>
-            </a:extLst>
-          </p:cNvPr>
-          <p:cNvSpPr txBox="1"/>
-          <p:nvPr/>
-        </p:nvSpPr>
-        <p:spPr>
-          <a:xfrm>
-            <a:off x="958852" y="1189596"/>
-            <a:ext cx="2130777" cy="261610"/>
-          </a:xfrm>
-          <a:prstGeom prst="rect">
-            <a:avLst/>
-          </a:prstGeom>
-          <a:noFill/>
-          <a:ln>
-            <a:solidFill>
-              <a:schemeClr val="tx1"/>
-            </a:solidFill>
-          </a:ln>
-        </p:spPr>
-        <p:txBody>
-          <a:bodyPr wrap="square" rtlCol="0">
-            <a:spAutoFit/>
-          </a:bodyPr>
-          <a:lstStyle/>
-          <a:p>
-            <a:pPr algn="ctr"/>
-            <a:r>
-              <a:rPr lang="en-US" sz="1100" dirty="0"/>
-              <a:t>print choose { “hello”, “ world” }</a:t>
-            </a:r>
-          </a:p>
-        </p:txBody>
-      </p:sp>
-      <p:sp>
-        <p:nvSpPr>
-          <p:cNvPr id="28" name="TextBox 27">
-            <a:extLst>
-              <a:ext uri="{FF2B5EF4-FFF2-40B4-BE49-F238E27FC236}">
-                <a16:creationId xmlns:a16="http://schemas.microsoft.com/office/drawing/2014/main" id="{2BCB0294-4BD0-B842-8615-6694DF0744E3}"/>
-              </a:ext>
-            </a:extLst>
-          </p:cNvPr>
-          <p:cNvSpPr txBox="1"/>
-          <p:nvPr/>
-        </p:nvSpPr>
-        <p:spPr>
-          <a:xfrm>
-            <a:off x="958852" y="1541967"/>
-            <a:ext cx="1809748" cy="430887"/>
-          </a:xfrm>
-          <a:prstGeom prst="rect">
-            <a:avLst/>
-          </a:prstGeom>
-          <a:noFill/>
-          <a:ln>
-            <a:solidFill>
-              <a:schemeClr val="tx1"/>
-            </a:solidFill>
-          </a:ln>
-        </p:spPr>
-        <p:txBody>
-          <a:bodyPr wrap="square" rtlCol="0">
-            <a:spAutoFit/>
-          </a:bodyPr>
-          <a:lstStyle/>
-          <a:p>
-            <a:pPr algn="ctr"/>
-            <a:r>
-              <a:rPr lang="en-US" sz="1100" dirty="0"/>
-              <a:t>while choose { False, True }:</a:t>
-            </a:r>
-          </a:p>
-          <a:p>
-            <a:pPr algn="ctr"/>
-            <a:r>
-              <a:rPr lang="en-US" sz="1100" dirty="0"/>
-              <a:t>print “hello world” </a:t>
-            </a:r>
-          </a:p>
-        </p:txBody>
-      </p:sp>
-      <p:sp>
-        <p:nvSpPr>
-          <p:cNvPr id="29" name="TextBox 28">
-            <a:extLst>
-              <a:ext uri="{FF2B5EF4-FFF2-40B4-BE49-F238E27FC236}">
-                <a16:creationId xmlns:a16="http://schemas.microsoft.com/office/drawing/2014/main" id="{996F6BD9-CE9B-3A4D-AC02-3393C6428F4C}"/>
-              </a:ext>
-            </a:extLst>
-          </p:cNvPr>
-          <p:cNvSpPr txBox="1"/>
-          <p:nvPr/>
-        </p:nvSpPr>
-        <p:spPr>
-          <a:xfrm>
-            <a:off x="958852" y="2063615"/>
-            <a:ext cx="1422398" cy="430887"/>
-          </a:xfrm>
-          <a:prstGeom prst="rect">
-            <a:avLst/>
-          </a:prstGeom>
-          <a:noFill/>
-          <a:ln>
-            <a:solidFill>
-              <a:schemeClr val="tx1"/>
-            </a:solidFill>
-          </a:ln>
-        </p:spPr>
-        <p:txBody>
-          <a:bodyPr wrap="square" rtlCol="0">
-            <a:spAutoFit/>
-          </a:bodyPr>
-          <a:lstStyle/>
-          <a:p>
-            <a:r>
-              <a:rPr lang="en-US" sz="1100" dirty="0"/>
-              <a:t>def p(s): print s</a:t>
-            </a:r>
-          </a:p>
-          <a:p>
-            <a:r>
-              <a:rPr lang="en-US" sz="1100" dirty="0"/>
-              <a:t>p("hello"); p("world")</a:t>
-            </a:r>
-          </a:p>
-        </p:txBody>
-      </p:sp>
-      <p:sp>
-        <p:nvSpPr>
-          <p:cNvPr id="30" name="TextBox 29">
-            <a:extLst>
-              <a:ext uri="{FF2B5EF4-FFF2-40B4-BE49-F238E27FC236}">
-                <a16:creationId xmlns:a16="http://schemas.microsoft.com/office/drawing/2014/main" id="{9592CEB5-04D7-FF46-AEA4-31E7DAC341CE}"/>
-              </a:ext>
-            </a:extLst>
-          </p:cNvPr>
-          <p:cNvSpPr txBox="1"/>
-          <p:nvPr/>
-        </p:nvSpPr>
-        <p:spPr>
-          <a:xfrm>
-            <a:off x="958851" y="2585263"/>
-            <a:ext cx="1200149" cy="600164"/>
-          </a:xfrm>
-          <a:prstGeom prst="rect">
-            <a:avLst/>
-          </a:prstGeom>
-          <a:noFill/>
-          <a:ln>
-            <a:solidFill>
-              <a:schemeClr val="tx1"/>
-            </a:solidFill>
-          </a:ln>
-        </p:spPr>
-        <p:txBody>
-          <a:bodyPr wrap="square" rtlCol="0">
-            <a:spAutoFit/>
-          </a:bodyPr>
-          <a:lstStyle/>
-          <a:p>
-            <a:r>
-              <a:rPr lang="en-US" sz="1100" dirty="0"/>
-              <a:t>def p(s): print s</a:t>
-            </a:r>
-          </a:p>
-          <a:p>
-            <a:r>
-              <a:rPr lang="en-US" sz="1100" dirty="0"/>
-              <a:t>spawn p("hello")</a:t>
-            </a:r>
-          </a:p>
-          <a:p>
-            <a:r>
-              <a:rPr lang="en-US" sz="1100" dirty="0"/>
-              <a:t>spawn p("world")</a:t>
-            </a:r>
-          </a:p>
-        </p:txBody>
-      </p:sp>
-      <p:sp>
-        <p:nvSpPr>
-          <p:cNvPr id="31" name="TextBox 30">
-            <a:extLst>
-              <a:ext uri="{FF2B5EF4-FFF2-40B4-BE49-F238E27FC236}">
-                <a16:creationId xmlns:a16="http://schemas.microsoft.com/office/drawing/2014/main" id="{3F2BB10D-A064-3344-94E3-752D7C9789FD}"/>
-              </a:ext>
-            </a:extLst>
-          </p:cNvPr>
-          <p:cNvSpPr txBox="1"/>
-          <p:nvPr/>
-        </p:nvSpPr>
-        <p:spPr>
-          <a:xfrm>
-            <a:off x="958851" y="3283763"/>
-            <a:ext cx="1562099" cy="938719"/>
-          </a:xfrm>
-          <a:prstGeom prst="rect">
-            <a:avLst/>
-          </a:prstGeom>
-          <a:noFill/>
-          <a:ln>
-            <a:solidFill>
-              <a:schemeClr val="tx1"/>
-            </a:solidFill>
-          </a:ln>
-        </p:spPr>
-        <p:txBody>
-          <a:bodyPr wrap="square" rtlCol="0">
-            <a:spAutoFit/>
-          </a:bodyPr>
-          <a:lstStyle/>
-          <a:p>
-            <a:r>
-              <a:rPr lang="en-US" sz="1100" dirty="0"/>
-              <a:t>def hello(name):</a:t>
-            </a:r>
-          </a:p>
-          <a:p>
-            <a:r>
-              <a:rPr lang="en-US" sz="1100" dirty="0"/>
-              <a:t>    print "hello"</a:t>
-            </a:r>
-          </a:p>
-          <a:p>
-            <a:r>
-              <a:rPr lang="en-US" sz="1100" dirty="0"/>
-              <a:t>    print name</a:t>
-            </a:r>
-          </a:p>
-          <a:p>
-            <a:r>
-              <a:rPr lang="en-US" sz="1100" dirty="0"/>
-              <a:t>spawn hello("Lesley")</a:t>
-            </a:r>
-          </a:p>
-          <a:p>
-            <a:r>
-              <a:rPr lang="en-US" sz="1100" dirty="0"/>
-              <a:t>spawn hello("</a:t>
-            </a:r>
-            <a:r>
-              <a:rPr lang="en-US" sz="1100" dirty="0" err="1"/>
-              <a:t>Robbert</a:t>
-            </a:r>
-            <a:r>
-              <a:rPr lang="en-US" sz="1100" dirty="0"/>
-              <a:t>")</a:t>
-            </a:r>
-          </a:p>
-        </p:txBody>
-      </p:sp>
-      <p:sp>
-        <p:nvSpPr>
-          <p:cNvPr id="32" name="TextBox 31">
-            <a:extLst>
-              <a:ext uri="{FF2B5EF4-FFF2-40B4-BE49-F238E27FC236}">
-                <a16:creationId xmlns:a16="http://schemas.microsoft.com/office/drawing/2014/main" id="{AB19D261-B392-6C40-8E04-3506C989F20F}"/>
-              </a:ext>
-            </a:extLst>
-          </p:cNvPr>
-          <p:cNvSpPr txBox="1"/>
-          <p:nvPr/>
-        </p:nvSpPr>
-        <p:spPr>
-          <a:xfrm>
-            <a:off x="958851" y="4312463"/>
-            <a:ext cx="1562099" cy="1107996"/>
-          </a:xfrm>
-          <a:prstGeom prst="rect">
-            <a:avLst/>
-          </a:prstGeom>
-          <a:noFill/>
-          <a:ln>
-            <a:solidFill>
-              <a:schemeClr val="tx1"/>
-            </a:solidFill>
-          </a:ln>
-        </p:spPr>
-        <p:txBody>
-          <a:bodyPr wrap="square" rtlCol="0">
-            <a:spAutoFit/>
-          </a:bodyPr>
-          <a:lstStyle/>
-          <a:p>
-            <a:r>
-              <a:rPr lang="en-US" sz="1100" dirty="0"/>
-              <a:t>def hello(name):</a:t>
-            </a:r>
-          </a:p>
-          <a:p>
-            <a:r>
-              <a:rPr lang="en-US" sz="1100" dirty="0"/>
-              <a:t>    atomically:</a:t>
-            </a:r>
-          </a:p>
-          <a:p>
-            <a:r>
-              <a:rPr lang="en-US" sz="1100" dirty="0"/>
-              <a:t>        print "hello"</a:t>
-            </a:r>
-          </a:p>
-          <a:p>
-            <a:r>
-              <a:rPr lang="en-US" sz="1100" dirty="0"/>
-              <a:t>        print name</a:t>
-            </a:r>
-          </a:p>
-          <a:p>
-            <a:r>
-              <a:rPr lang="en-US" sz="1100" dirty="0"/>
-              <a:t>spawn hello("Lesley")</a:t>
-            </a:r>
-          </a:p>
-          <a:p>
-            <a:r>
-              <a:rPr lang="en-US" sz="1100" dirty="0"/>
-              <a:t>spawn hello("</a:t>
-            </a:r>
-            <a:r>
-              <a:rPr lang="en-US" sz="1100" dirty="0" err="1"/>
-              <a:t>Robbert</a:t>
-            </a:r>
-            <a:r>
-              <a:rPr lang="en-US" sz="1100" dirty="0"/>
-              <a:t>")</a:t>
-            </a:r>
-          </a:p>
-        </p:txBody>
-      </p:sp>
-      <p:sp>
-        <p:nvSpPr>
-          <p:cNvPr id="33" name="TextBox 32">
-            <a:extLst>
-              <a:ext uri="{FF2B5EF4-FFF2-40B4-BE49-F238E27FC236}">
-                <a16:creationId xmlns:a16="http://schemas.microsoft.com/office/drawing/2014/main" id="{DD33FD97-D758-D24F-BC6E-DF5A764CB8F4}"/>
-              </a:ext>
-            </a:extLst>
-          </p:cNvPr>
-          <p:cNvSpPr txBox="1"/>
-          <p:nvPr/>
-        </p:nvSpPr>
-        <p:spPr>
-          <a:xfrm>
-            <a:off x="958851" y="5512613"/>
-            <a:ext cx="1066799" cy="938719"/>
-          </a:xfrm>
-          <a:prstGeom prst="rect">
-            <a:avLst/>
-          </a:prstGeom>
-          <a:noFill/>
-          <a:ln>
-            <a:solidFill>
-              <a:schemeClr val="tx1"/>
-            </a:solidFill>
-          </a:ln>
-        </p:spPr>
-        <p:txBody>
-          <a:bodyPr wrap="square" rtlCol="0">
-            <a:spAutoFit/>
-          </a:bodyPr>
-          <a:lstStyle/>
-          <a:p>
-            <a:r>
-              <a:rPr lang="en-US" sz="1100" dirty="0"/>
-              <a:t>x = False</a:t>
-            </a:r>
-          </a:p>
-          <a:p>
-            <a:r>
-              <a:rPr lang="en-US" sz="1100" dirty="0"/>
-              <a:t>def f():</a:t>
-            </a:r>
-          </a:p>
-          <a:p>
-            <a:r>
-              <a:rPr lang="en-US" sz="1100" dirty="0"/>
-              <a:t>    print "hello"</a:t>
-            </a:r>
-          </a:p>
-          <a:p>
-            <a:r>
-              <a:rPr lang="en-US" sz="1100" dirty="0"/>
-              <a:t>    atomically:</a:t>
-            </a:r>
-          </a:p>
-          <a:p>
-            <a:r>
-              <a:rPr lang="en-US" sz="1100" dirty="0"/>
-              <a:t>        x = True</a:t>
-            </a:r>
-          </a:p>
-        </p:txBody>
-      </p:sp>
-      <p:pic>
-        <p:nvPicPr>
-          <p:cNvPr id="34" name="Picture 33" descr="Shape, circle&#10;&#10;Description automatically generated">
-            <a:extLst>
-              <a:ext uri="{FF2B5EF4-FFF2-40B4-BE49-F238E27FC236}">
-                <a16:creationId xmlns:a16="http://schemas.microsoft.com/office/drawing/2014/main" id="{70F37E56-2212-0E4E-BD28-D93E5CBAC811}"/>
-              </a:ext>
-            </a:extLst>
-          </p:cNvPr>
-          <p:cNvPicPr>
-            <a:picLocks noChangeAspect="1"/>
-          </p:cNvPicPr>
-          <p:nvPr/>
-        </p:nvPicPr>
-        <p:blipFill>
-          <a:blip r:embed="rId6"/>
-          <a:stretch>
-            <a:fillRect/>
-          </a:stretch>
-        </p:blipFill>
-        <p:spPr>
-          <a:xfrm>
-            <a:off x="3543987" y="5791440"/>
-            <a:ext cx="2584439" cy="381063"/>
-          </a:xfrm>
-          <a:prstGeom prst="rect">
-            <a:avLst/>
-          </a:prstGeom>
-        </p:spPr>
-      </p:pic>
-      <p:sp>
-        <p:nvSpPr>
-          <p:cNvPr id="35" name="TextBox 34">
-            <a:extLst>
-              <a:ext uri="{FF2B5EF4-FFF2-40B4-BE49-F238E27FC236}">
-                <a16:creationId xmlns:a16="http://schemas.microsoft.com/office/drawing/2014/main" id="{B8F16D96-A65E-BE45-BC31-DC92C999E5EE}"/>
-              </a:ext>
-            </a:extLst>
-          </p:cNvPr>
-          <p:cNvSpPr txBox="1"/>
-          <p:nvPr/>
-        </p:nvSpPr>
-        <p:spPr>
-          <a:xfrm>
-            <a:off x="2030590" y="5512613"/>
-            <a:ext cx="1377949" cy="938719"/>
-          </a:xfrm>
-          <a:prstGeom prst="rect">
-            <a:avLst/>
-          </a:prstGeom>
-          <a:noFill/>
-          <a:ln>
-            <a:solidFill>
-              <a:schemeClr val="tx1"/>
-            </a:solidFill>
-          </a:ln>
-        </p:spPr>
-        <p:txBody>
-          <a:bodyPr wrap="square" rtlCol="0">
-            <a:spAutoFit/>
-          </a:bodyPr>
-          <a:lstStyle/>
-          <a:p>
-            <a:r>
-              <a:rPr lang="en-US" sz="1100" dirty="0"/>
-              <a:t>def g():</a:t>
-            </a:r>
-          </a:p>
-          <a:p>
-            <a:r>
-              <a:rPr lang="en-US" sz="1100" dirty="0"/>
-              <a:t>    atomically when x:</a:t>
-            </a:r>
-          </a:p>
-          <a:p>
-            <a:r>
-              <a:rPr lang="en-US" sz="1100" dirty="0"/>
-              <a:t>         print "world"</a:t>
-            </a:r>
-          </a:p>
-          <a:p>
-            <a:r>
-              <a:rPr lang="en-US" sz="1100" dirty="0"/>
-              <a:t>spawn f()</a:t>
-            </a:r>
-          </a:p>
-          <a:p>
-            <a:r>
-              <a:rPr lang="en-US" sz="1100" dirty="0"/>
-              <a:t>spawn g()</a:t>
-            </a:r>
-          </a:p>
-        </p:txBody>
-      </p:sp>
     </p:spTree>
     <p:extLst>
       <p:ext uri="{BB962C8B-B14F-4D97-AF65-F5344CB8AC3E}">

--- a/paper/hello.pptx
+++ b/paper/hello.pptx
@@ -3128,7 +3128,7 @@
         </p:blipFill>
         <p:spPr>
           <a:xfrm>
-            <a:off x="2946411" y="755671"/>
+            <a:off x="2946411" y="1222272"/>
             <a:ext cx="1727200" cy="358551"/>
           </a:xfrm>
           <a:prstGeom prst="rect">
@@ -3158,7 +3158,7 @@
         </p:blipFill>
         <p:spPr>
           <a:xfrm>
-            <a:off x="3851569" y="1156273"/>
+            <a:off x="3661986" y="1583333"/>
             <a:ext cx="1533909" cy="370378"/>
           </a:xfrm>
           <a:prstGeom prst="rect">
@@ -3188,38 +3188,8 @@
         </p:blipFill>
         <p:spPr>
           <a:xfrm>
-            <a:off x="3032396" y="1288960"/>
+            <a:off x="2953051" y="1676756"/>
             <a:ext cx="568895" cy="601663"/>
-          </a:xfrm>
-          <a:prstGeom prst="rect">
-            <a:avLst/>
-          </a:prstGeom>
-        </p:spPr>
-      </p:pic>
-      <p:pic>
-        <p:nvPicPr>
-          <p:cNvPr id="13" name="Picture 12" descr="Shape, circle&#10;&#10;Description automatically generated">
-            <a:extLst>
-              <a:ext uri="{FF2B5EF4-FFF2-40B4-BE49-F238E27FC236}">
-                <a16:creationId xmlns:a16="http://schemas.microsoft.com/office/drawing/2014/main" id="{36ED3420-6204-204E-9746-E9915D7D6E2C}"/>
-              </a:ext>
-            </a:extLst>
-          </p:cNvPr>
-          <p:cNvPicPr>
-            <a:picLocks noChangeAspect="1"/>
-          </p:cNvPicPr>
-          <p:nvPr/>
-        </p:nvPicPr>
-        <p:blipFill>
-          <a:blip r:embed="rId5"/>
-          <a:stretch>
-            <a:fillRect/>
-          </a:stretch>
-        </p:blipFill>
-        <p:spPr>
-          <a:xfrm>
-            <a:off x="2616200" y="1927569"/>
-            <a:ext cx="2584439" cy="381063"/>
           </a:xfrm>
           <a:prstGeom prst="rect">
             <a:avLst/>
@@ -3241,7 +3211,7 @@
           <p:nvPr/>
         </p:nvPicPr>
         <p:blipFill>
-          <a:blip r:embed="rId6"/>
+          <a:blip r:embed="rId5"/>
           <a:stretch>
             <a:fillRect/>
           </a:stretch>
@@ -3271,15 +3241,15 @@
           <p:nvPr/>
         </p:nvPicPr>
         <p:blipFill>
-          <a:blip r:embed="rId7"/>
+          <a:blip r:embed="rId6"/>
           <a:stretch>
             <a:fillRect/>
           </a:stretch>
         </p:blipFill>
         <p:spPr>
           <a:xfrm>
-            <a:off x="2531135" y="4057581"/>
-            <a:ext cx="3741426" cy="721027"/>
+            <a:off x="2531134" y="4057581"/>
+            <a:ext cx="3783799" cy="679989"/>
           </a:xfrm>
           <a:prstGeom prst="rect">
             <a:avLst/>
@@ -3300,7 +3270,7 @@
         </p:nvSpPr>
         <p:spPr>
           <a:xfrm>
-            <a:off x="958852" y="837225"/>
+            <a:off x="958852" y="1303826"/>
             <a:ext cx="1200148" cy="246221"/>
           </a:xfrm>
           <a:prstGeom prst="rect">
@@ -3340,7 +3310,7 @@
         </p:nvSpPr>
         <p:spPr>
           <a:xfrm>
-            <a:off x="958852" y="1139599"/>
+            <a:off x="958852" y="1606200"/>
             <a:ext cx="1897209" cy="246221"/>
           </a:xfrm>
           <a:prstGeom prst="rect">
@@ -3380,7 +3350,7 @@
         </p:nvSpPr>
         <p:spPr>
           <a:xfrm>
-            <a:off x="958852" y="1438138"/>
+            <a:off x="958852" y="1904739"/>
             <a:ext cx="1657348" cy="400110"/>
           </a:xfrm>
           <a:prstGeom prst="rect">
@@ -3408,52 +3378,6 @@
             <a:r>
               <a:rPr lang="en-US" sz="1000" dirty="0"/>
               <a:t>     print “hello world” </a:t>
-            </a:r>
-          </a:p>
-        </p:txBody>
-      </p:sp>
-      <p:sp>
-        <p:nvSpPr>
-          <p:cNvPr id="29" name="TextBox 28">
-            <a:extLst>
-              <a:ext uri="{FF2B5EF4-FFF2-40B4-BE49-F238E27FC236}">
-                <a16:creationId xmlns:a16="http://schemas.microsoft.com/office/drawing/2014/main" id="{996F6BD9-CE9B-3A4D-AC02-3393C6428F4C}"/>
-              </a:ext>
-            </a:extLst>
-          </p:cNvPr>
-          <p:cNvSpPr txBox="1"/>
-          <p:nvPr/>
-        </p:nvSpPr>
-        <p:spPr>
-          <a:xfrm>
-            <a:off x="958852" y="1908522"/>
-            <a:ext cx="1304846" cy="400110"/>
-          </a:xfrm>
-          <a:prstGeom prst="rect">
-            <a:avLst/>
-          </a:prstGeom>
-          <a:noFill/>
-          <a:ln>
-            <a:solidFill>
-              <a:schemeClr val="tx1"/>
-            </a:solidFill>
-          </a:ln>
-        </p:spPr>
-        <p:txBody>
-          <a:bodyPr wrap="square" rtlCol="0">
-            <a:spAutoFit/>
-          </a:bodyPr>
-          <a:lstStyle/>
-          <a:p>
-            <a:r>
-              <a:rPr lang="en-US" sz="1000" dirty="0"/>
-              <a:t>def p(s): print s</a:t>
-            </a:r>
-          </a:p>
-          <a:p>
-            <a:r>
-              <a:rPr lang="en-US" sz="1000" dirty="0"/>
-              <a:t>p("hello"); p("world")</a:t>
             </a:r>
           </a:p>
         </p:txBody>
@@ -3739,7 +3663,7 @@
           <p:nvPr/>
         </p:nvPicPr>
         <p:blipFill>
-          <a:blip r:embed="rId5"/>
+          <a:blip r:embed="rId7"/>
           <a:stretch>
             <a:fillRect/>
           </a:stretch>
@@ -3888,36 +3812,6 @@
           </a:p>
         </p:txBody>
       </p:sp>
-      <p:pic>
-        <p:nvPicPr>
-          <p:cNvPr id="3" name="Picture 2" descr="Diagram&#10;&#10;Description automatically generated">
-            <a:extLst>
-              <a:ext uri="{FF2B5EF4-FFF2-40B4-BE49-F238E27FC236}">
-                <a16:creationId xmlns:a16="http://schemas.microsoft.com/office/drawing/2014/main" id="{00E69FA5-DE6A-0C4A-B17F-26B6F8FE5B70}"/>
-              </a:ext>
-            </a:extLst>
-          </p:cNvPr>
-          <p:cNvPicPr>
-            <a:picLocks noChangeAspect="1"/>
-          </p:cNvPicPr>
-          <p:nvPr/>
-        </p:nvPicPr>
-        <p:blipFill>
-          <a:blip r:embed="rId8"/>
-          <a:stretch>
-            <a:fillRect/>
-          </a:stretch>
-        </p:blipFill>
-        <p:spPr>
-          <a:xfrm>
-            <a:off x="2706458" y="5017104"/>
-            <a:ext cx="2961982" cy="662700"/>
-          </a:xfrm>
-          <a:prstGeom prst="rect">
-            <a:avLst/>
-          </a:prstGeom>
-        </p:spPr>
-      </p:pic>
       <p:pic>
         <p:nvPicPr>
           <p:cNvPr id="17" name="Picture 16" descr="Diagram&#10;&#10;Description automatically generated">
@@ -3933,6 +3827,36 @@
           <p:nvPr/>
         </p:nvPicPr>
         <p:blipFill>
+          <a:blip r:embed="rId8"/>
+          <a:stretch>
+            <a:fillRect/>
+          </a:stretch>
+        </p:blipFill>
+        <p:spPr>
+          <a:xfrm>
+            <a:off x="2525263" y="3001708"/>
+            <a:ext cx="3789671" cy="986749"/>
+          </a:xfrm>
+          <a:prstGeom prst="rect">
+            <a:avLst/>
+          </a:prstGeom>
+        </p:spPr>
+      </p:pic>
+      <p:pic>
+        <p:nvPicPr>
+          <p:cNvPr id="6" name="Picture 5" descr="Diagram&#10;&#10;Description automatically generated">
+            <a:extLst>
+              <a:ext uri="{FF2B5EF4-FFF2-40B4-BE49-F238E27FC236}">
+                <a16:creationId xmlns:a16="http://schemas.microsoft.com/office/drawing/2014/main" id="{E863130D-8C89-6B42-8E53-D4DD417889A9}"/>
+              </a:ext>
+            </a:extLst>
+          </p:cNvPr>
+          <p:cNvPicPr>
+            <a:picLocks noChangeAspect="1"/>
+          </p:cNvPicPr>
+          <p:nvPr/>
+        </p:nvPicPr>
+        <p:blipFill>
           <a:blip r:embed="rId9"/>
           <a:stretch>
             <a:fillRect/>
@@ -3940,8 +3864,8 @@
         </p:blipFill>
         <p:spPr>
           <a:xfrm>
-            <a:off x="2525263" y="3001708"/>
-            <a:ext cx="3789671" cy="986749"/>
+            <a:off x="2669452" y="5010206"/>
+            <a:ext cx="2984216" cy="790930"/>
           </a:xfrm>
           <a:prstGeom prst="rect">
             <a:avLst/>

--- a/paper/hello.pptx
+++ b/paper/hello.pptx
@@ -3290,8 +3290,12 @@
           <a:lstStyle/>
           <a:p>
             <a:r>
-              <a:rPr lang="en-US" sz="1000" dirty="0"/>
-              <a:t>print “hello world”</a:t>
+              <a:rPr lang="en-US" sz="1000" b="1" dirty="0"/>
+              <a:t>print</a:t>
+            </a:r>
+            <a:r>
+              <a:rPr lang="en-US" sz="1000" dirty="0"/>
+              <a:t> “hello world”</a:t>
             </a:r>
           </a:p>
         </p:txBody>
@@ -3330,8 +3334,20 @@
           <a:lstStyle/>
           <a:p>
             <a:r>
-              <a:rPr lang="en-US" sz="1000" dirty="0"/>
-              <a:t>print choose { “hello”, “ world” }</a:t>
+              <a:rPr lang="en-US" sz="1000" b="1" dirty="0"/>
+              <a:t>print</a:t>
+            </a:r>
+            <a:r>
+              <a:rPr lang="en-US" sz="1000" dirty="0"/>
+              <a:t> </a:t>
+            </a:r>
+            <a:r>
+              <a:rPr lang="en-US" sz="1000" b="1" dirty="0"/>
+              <a:t>choose</a:t>
+            </a:r>
+            <a:r>
+              <a:rPr lang="en-US" sz="1000" dirty="0"/>
+              <a:t> { “hello”, “ world” }</a:t>
             </a:r>
           </a:p>
         </p:txBody>
@@ -3370,14 +3386,50 @@
           <a:lstStyle/>
           <a:p>
             <a:r>
-              <a:rPr lang="en-US" sz="1000" dirty="0"/>
-              <a:t>while choose { False, True }:</a:t>
-            </a:r>
-          </a:p>
-          <a:p>
-            <a:r>
-              <a:rPr lang="en-US" sz="1000" dirty="0"/>
-              <a:t>     print “hello world” </a:t>
+              <a:rPr lang="en-US" sz="1000" b="1" dirty="0"/>
+              <a:t>while</a:t>
+            </a:r>
+            <a:r>
+              <a:rPr lang="en-US" sz="1000" dirty="0"/>
+              <a:t> </a:t>
+            </a:r>
+            <a:r>
+              <a:rPr lang="en-US" sz="1000" b="1" dirty="0"/>
+              <a:t>choose</a:t>
+            </a:r>
+            <a:r>
+              <a:rPr lang="en-US" sz="1000" dirty="0"/>
+              <a:t> { </a:t>
+            </a:r>
+            <a:r>
+              <a:rPr lang="en-US" sz="1000" b="1" dirty="0"/>
+              <a:t>False</a:t>
+            </a:r>
+            <a:r>
+              <a:rPr lang="en-US" sz="1000" dirty="0"/>
+              <a:t>, </a:t>
+            </a:r>
+            <a:r>
+              <a:rPr lang="en-US" sz="1000" b="1" dirty="0"/>
+              <a:t>True</a:t>
+            </a:r>
+            <a:r>
+              <a:rPr lang="en-US" sz="1000" dirty="0"/>
+              <a:t> }:</a:t>
+            </a:r>
+          </a:p>
+          <a:p>
+            <a:r>
+              <a:rPr lang="en-US" sz="1000" dirty="0"/>
+              <a:t>     </a:t>
+            </a:r>
+            <a:r>
+              <a:rPr lang="en-US" sz="1000" b="1" dirty="0"/>
+              <a:t>print</a:t>
+            </a:r>
+            <a:r>
+              <a:rPr lang="en-US" sz="1000" dirty="0"/>
+              <a:t> “hello world” </a:t>
             </a:r>
           </a:p>
         </p:txBody>
@@ -3416,20 +3468,40 @@
           <a:lstStyle/>
           <a:p>
             <a:r>
-              <a:rPr lang="en-US" sz="1000" dirty="0"/>
-              <a:t>def p(s): print s</a:t>
-            </a:r>
-          </a:p>
-          <a:p>
-            <a:r>
-              <a:rPr lang="en-US" sz="1000" dirty="0"/>
-              <a:t>spawn p("hello")</a:t>
-            </a:r>
-          </a:p>
-          <a:p>
-            <a:r>
-              <a:rPr lang="en-US" sz="1000" dirty="0"/>
-              <a:t>spawn p("world")</a:t>
+              <a:rPr lang="en-US" sz="1000" b="1" dirty="0"/>
+              <a:t>def</a:t>
+            </a:r>
+            <a:r>
+              <a:rPr lang="en-US" sz="1000" dirty="0"/>
+              <a:t> p(s): </a:t>
+            </a:r>
+            <a:r>
+              <a:rPr lang="en-US" sz="1000" b="1" dirty="0"/>
+              <a:t>print</a:t>
+            </a:r>
+            <a:r>
+              <a:rPr lang="en-US" sz="1000" dirty="0"/>
+              <a:t> s</a:t>
+            </a:r>
+          </a:p>
+          <a:p>
+            <a:r>
+              <a:rPr lang="en-US" sz="1000" b="1" dirty="0"/>
+              <a:t>spawn</a:t>
+            </a:r>
+            <a:r>
+              <a:rPr lang="en-US" sz="1000" dirty="0"/>
+              <a:t> p("hello")</a:t>
+            </a:r>
+          </a:p>
+          <a:p>
+            <a:r>
+              <a:rPr lang="en-US" sz="1000" b="1" dirty="0"/>
+              <a:t>spawn</a:t>
+            </a:r>
+            <a:r>
+              <a:rPr lang="en-US" sz="1000" dirty="0"/>
+              <a:t> p("world")</a:t>
             </a:r>
           </a:p>
         </p:txBody>
@@ -3468,32 +3540,60 @@
           <a:lstStyle/>
           <a:p>
             <a:r>
-              <a:rPr lang="en-US" sz="1000" dirty="0"/>
-              <a:t>def hello(name):</a:t>
-            </a:r>
-          </a:p>
-          <a:p>
-            <a:r>
-              <a:rPr lang="en-US" sz="1000" dirty="0"/>
-              <a:t>    print "hello"</a:t>
-            </a:r>
-          </a:p>
-          <a:p>
-            <a:r>
-              <a:rPr lang="en-US" sz="1000" dirty="0"/>
-              <a:t>    print name</a:t>
-            </a:r>
-          </a:p>
-          <a:p>
-            <a:r>
-              <a:rPr lang="en-US" sz="1000" dirty="0"/>
-              <a:t>spawn hello("Lesley")</a:t>
-            </a:r>
-          </a:p>
-          <a:p>
-            <a:r>
-              <a:rPr lang="en-US" sz="1000" dirty="0"/>
-              <a:t>spawn hello("</a:t>
+              <a:rPr lang="en-US" sz="1000" b="1" dirty="0"/>
+              <a:t>def</a:t>
+            </a:r>
+            <a:r>
+              <a:rPr lang="en-US" sz="1000" dirty="0"/>
+              <a:t> hello(name):</a:t>
+            </a:r>
+          </a:p>
+          <a:p>
+            <a:r>
+              <a:rPr lang="en-US" sz="1000" dirty="0"/>
+              <a:t>    </a:t>
+            </a:r>
+            <a:r>
+              <a:rPr lang="en-US" sz="1000" b="1" dirty="0"/>
+              <a:t>print</a:t>
+            </a:r>
+            <a:r>
+              <a:rPr lang="en-US" sz="1000" dirty="0"/>
+              <a:t> "hello"</a:t>
+            </a:r>
+          </a:p>
+          <a:p>
+            <a:r>
+              <a:rPr lang="en-US" sz="1000" dirty="0"/>
+              <a:t>    </a:t>
+            </a:r>
+            <a:r>
+              <a:rPr lang="en-US" sz="1000" b="1" dirty="0"/>
+              <a:t>print</a:t>
+            </a:r>
+            <a:r>
+              <a:rPr lang="en-US" sz="1000" dirty="0"/>
+              <a:t> name</a:t>
+            </a:r>
+          </a:p>
+          <a:p>
+            <a:r>
+              <a:rPr lang="en-US" sz="1000" b="1" dirty="0"/>
+              <a:t>spawn</a:t>
+            </a:r>
+            <a:r>
+              <a:rPr lang="en-US" sz="1000" dirty="0"/>
+              <a:t> hello("Lesley")</a:t>
+            </a:r>
+          </a:p>
+          <a:p>
+            <a:r>
+              <a:rPr lang="en-US" sz="1000" b="1" dirty="0"/>
+              <a:t>spawn</a:t>
+            </a:r>
+            <a:r>
+              <a:rPr lang="en-US" sz="1000" dirty="0"/>
+              <a:t> hello("</a:t>
             </a:r>
             <a:r>
               <a:rPr lang="en-US" sz="1000" dirty="0" err="1"/>
@@ -3540,38 +3640,74 @@
           <a:lstStyle/>
           <a:p>
             <a:r>
-              <a:rPr lang="en-US" sz="1000" dirty="0"/>
-              <a:t>def hello(name):</a:t>
-            </a:r>
-          </a:p>
-          <a:p>
-            <a:r>
-              <a:rPr lang="en-US" sz="1000" dirty="0"/>
-              <a:t>    atomically:</a:t>
-            </a:r>
-          </a:p>
-          <a:p>
-            <a:r>
-              <a:rPr lang="en-US" sz="1000" dirty="0"/>
-              <a:t>        print "hello"</a:t>
-            </a:r>
-          </a:p>
-          <a:p>
-            <a:r>
-              <a:rPr lang="en-US" sz="1000" dirty="0"/>
-              <a:t>        print name</a:t>
-            </a:r>
-          </a:p>
-          <a:p>
-            <a:r>
-              <a:rPr lang="en-US" sz="1000" dirty="0"/>
-              <a:t>spawn hello("Lesley")</a:t>
-            </a:r>
-          </a:p>
-          <a:p>
-            <a:r>
-              <a:rPr lang="en-US" sz="1000" dirty="0"/>
-              <a:t>spawn hello("</a:t>
+              <a:rPr lang="en-US" sz="1000" b="1" dirty="0"/>
+              <a:t>def</a:t>
+            </a:r>
+            <a:r>
+              <a:rPr lang="en-US" sz="1000" dirty="0"/>
+              <a:t> hello(name):</a:t>
+            </a:r>
+          </a:p>
+          <a:p>
+            <a:r>
+              <a:rPr lang="en-US" sz="1000" dirty="0"/>
+              <a:t>    </a:t>
+            </a:r>
+            <a:r>
+              <a:rPr lang="en-US" sz="1000" b="1" dirty="0"/>
+              <a:t>atomically</a:t>
+            </a:r>
+            <a:r>
+              <a:rPr lang="en-US" sz="1000" dirty="0"/>
+              <a:t>:</a:t>
+            </a:r>
+          </a:p>
+          <a:p>
+            <a:r>
+              <a:rPr lang="en-US" sz="1000" dirty="0"/>
+              <a:t>        </a:t>
+            </a:r>
+            <a:r>
+              <a:rPr lang="en-US" sz="1000" b="1" dirty="0"/>
+              <a:t>print</a:t>
+            </a:r>
+            <a:r>
+              <a:rPr lang="en-US" sz="1000" dirty="0"/>
+              <a:t> "hello"</a:t>
+            </a:r>
+          </a:p>
+          <a:p>
+            <a:r>
+              <a:rPr lang="en-US" sz="1000" dirty="0"/>
+              <a:t>        </a:t>
+            </a:r>
+            <a:r>
+              <a:rPr lang="en-US" sz="1000" b="1" dirty="0"/>
+              <a:t>print</a:t>
+            </a:r>
+            <a:r>
+              <a:rPr lang="en-US" sz="1000" dirty="0"/>
+              <a:t> name</a:t>
+            </a:r>
+          </a:p>
+          <a:p>
+            <a:r>
+              <a:rPr lang="en-US" sz="1000" b="1" dirty="0"/>
+              <a:t>spawn</a:t>
+            </a:r>
+            <a:r>
+              <a:rPr lang="en-US" sz="1000" dirty="0"/>
+              <a:t> hello("Lesley")</a:t>
+            </a:r>
+          </a:p>
+          <a:p>
+            <a:r>
+              <a:rPr lang="en-US" sz="1000" b="1" dirty="0"/>
+              <a:t>spawn</a:t>
+            </a:r>
+            <a:r>
+              <a:rPr lang="en-US" sz="1000" dirty="0"/>
+              <a:t> hello("</a:t>
             </a:r>
             <a:r>
               <a:rPr lang="en-US" sz="1000" dirty="0" err="1"/>
@@ -3599,7 +3735,7 @@
         <p:spPr>
           <a:xfrm>
             <a:off x="958851" y="6036699"/>
-            <a:ext cx="936291" cy="861774"/>
+            <a:ext cx="975312" cy="861774"/>
           </a:xfrm>
           <a:prstGeom prst="rect">
             <a:avLst/>
@@ -3619,31 +3755,59 @@
           <a:p>
             <a:r>
               <a:rPr lang="en-US" sz="1000" dirty="0"/>
-              <a:t>x = False</a:t>
-            </a:r>
-          </a:p>
-          <a:p>
-            <a:r>
-              <a:rPr lang="en-US" sz="1000" dirty="0"/>
-              <a:t>def f():</a:t>
-            </a:r>
-          </a:p>
-          <a:p>
-            <a:r>
-              <a:rPr lang="en-US" sz="1000" dirty="0"/>
-              <a:t>    print "hello"</a:t>
-            </a:r>
-          </a:p>
-          <a:p>
-            <a:r>
-              <a:rPr lang="en-US" sz="1000" dirty="0"/>
-              <a:t>    atomically:</a:t>
-            </a:r>
-          </a:p>
-          <a:p>
-            <a:r>
-              <a:rPr lang="en-US" sz="1000" dirty="0"/>
-              <a:t>        x = True</a:t>
+              <a:t>x = </a:t>
+            </a:r>
+            <a:r>
+              <a:rPr lang="en-US" sz="1000" b="1" dirty="0"/>
+              <a:t>False</a:t>
+            </a:r>
+          </a:p>
+          <a:p>
+            <a:r>
+              <a:rPr lang="en-US" sz="1000" b="1" dirty="0"/>
+              <a:t>def</a:t>
+            </a:r>
+            <a:r>
+              <a:rPr lang="en-US" sz="1000" dirty="0"/>
+              <a:t> f():</a:t>
+            </a:r>
+          </a:p>
+          <a:p>
+            <a:r>
+              <a:rPr lang="en-US" sz="1000" dirty="0"/>
+              <a:t>    </a:t>
+            </a:r>
+            <a:r>
+              <a:rPr lang="en-US" sz="1000" b="1" dirty="0"/>
+              <a:t>print</a:t>
+            </a:r>
+            <a:r>
+              <a:rPr lang="en-US" sz="1000" dirty="0"/>
+              <a:t> "hello"</a:t>
+            </a:r>
+          </a:p>
+          <a:p>
+            <a:r>
+              <a:rPr lang="en-US" sz="1000" dirty="0"/>
+              <a:t>    </a:t>
+            </a:r>
+            <a:r>
+              <a:rPr lang="en-US" sz="1000" b="1" dirty="0"/>
+              <a:t>atomically</a:t>
+            </a:r>
+            <a:r>
+              <a:rPr lang="en-US" sz="1000" dirty="0"/>
+              <a:t>:</a:t>
+            </a:r>
+          </a:p>
+          <a:p>
+            <a:r>
+              <a:rPr lang="en-US" sz="1000" dirty="0"/>
+              <a:t>        x = </a:t>
+            </a:r>
+            <a:r>
+              <a:rPr lang="en-US" sz="1000" b="1" dirty="0"/>
+              <a:t>True</a:t>
             </a:r>
           </a:p>
         </p:txBody>
@@ -3692,8 +3856,8 @@
         </p:nvSpPr>
         <p:spPr>
           <a:xfrm>
-            <a:off x="1895142" y="6036699"/>
-            <a:ext cx="1260242" cy="861774"/>
+            <a:off x="1923520" y="6036699"/>
+            <a:ext cx="1313978" cy="861774"/>
           </a:xfrm>
           <a:prstGeom prst="rect">
             <a:avLst/>
@@ -3712,32 +3876,68 @@
           <a:lstStyle/>
           <a:p>
             <a:r>
-              <a:rPr lang="en-US" sz="1000" dirty="0"/>
-              <a:t>def g():</a:t>
-            </a:r>
-          </a:p>
-          <a:p>
-            <a:r>
-              <a:rPr lang="en-US" sz="1000" dirty="0"/>
-              <a:t>    atomically when x:</a:t>
-            </a:r>
-          </a:p>
-          <a:p>
-            <a:r>
-              <a:rPr lang="en-US" sz="1000" dirty="0"/>
-              <a:t>         print "world"</a:t>
-            </a:r>
-          </a:p>
-          <a:p>
-            <a:r>
-              <a:rPr lang="en-US" sz="1000" dirty="0"/>
-              <a:t>spawn f()</a:t>
-            </a:r>
-          </a:p>
-          <a:p>
-            <a:r>
-              <a:rPr lang="en-US" sz="1000" dirty="0"/>
-              <a:t>spawn g()</a:t>
+              <a:rPr lang="en-US" sz="1000" b="1" dirty="0"/>
+              <a:t>def</a:t>
+            </a:r>
+            <a:r>
+              <a:rPr lang="en-US" sz="1000" dirty="0"/>
+              <a:t> g():</a:t>
+            </a:r>
+          </a:p>
+          <a:p>
+            <a:r>
+              <a:rPr lang="en-US" sz="1000" dirty="0"/>
+              <a:t>    </a:t>
+            </a:r>
+            <a:r>
+              <a:rPr lang="en-US" sz="1000" b="1" dirty="0"/>
+              <a:t>atomically</a:t>
+            </a:r>
+            <a:r>
+              <a:rPr lang="en-US" sz="1000" dirty="0"/>
+              <a:t> </a:t>
+            </a:r>
+            <a:r>
+              <a:rPr lang="en-US" sz="1000" b="1" dirty="0"/>
+              <a:t>when</a:t>
+            </a:r>
+            <a:r>
+              <a:rPr lang="en-US" sz="1000" dirty="0"/>
+              <a:t> x:</a:t>
+            </a:r>
+          </a:p>
+          <a:p>
+            <a:r>
+              <a:rPr lang="en-US" sz="1000" dirty="0"/>
+              <a:t>         </a:t>
+            </a:r>
+            <a:r>
+              <a:rPr lang="en-US" sz="1000" b="1" dirty="0"/>
+              <a:t>print</a:t>
+            </a:r>
+            <a:r>
+              <a:rPr lang="en-US" sz="1000" dirty="0"/>
+              <a:t> "world"</a:t>
+            </a:r>
+          </a:p>
+          <a:p>
+            <a:r>
+              <a:rPr lang="en-US" sz="1000" b="1" dirty="0"/>
+              <a:t>spawn</a:t>
+            </a:r>
+            <a:r>
+              <a:rPr lang="en-US" sz="1000" dirty="0"/>
+              <a:t> f()</a:t>
+            </a:r>
+          </a:p>
+          <a:p>
+            <a:r>
+              <a:rPr lang="en-US" sz="1000" b="1" dirty="0"/>
+              <a:t>spawn</a:t>
+            </a:r>
+            <a:r>
+              <a:rPr lang="en-US" sz="1000" dirty="0"/>
+              <a:t> g()</a:t>
             </a:r>
           </a:p>
         </p:txBody>
@@ -3757,7 +3957,7 @@
         <p:spPr>
           <a:xfrm>
             <a:off x="958852" y="4971716"/>
-            <a:ext cx="1260242" cy="1015663"/>
+            <a:ext cx="1313978" cy="1015663"/>
           </a:xfrm>
           <a:prstGeom prst="rect">
             <a:avLst/>
@@ -3776,38 +3976,74 @@
           <a:lstStyle/>
           <a:p>
             <a:r>
-              <a:rPr lang="en-US" sz="1000" dirty="0"/>
-              <a:t>def handler():</a:t>
-            </a:r>
-          </a:p>
-          <a:p>
-            <a:r>
-              <a:rPr lang="en-US" sz="1000" dirty="0"/>
-              <a:t>    print "interrupt"</a:t>
-            </a:r>
-          </a:p>
-          <a:p>
-            <a:r>
-              <a:rPr lang="en-US" sz="1000" dirty="0"/>
-              <a:t>def thread():</a:t>
-            </a:r>
-          </a:p>
-          <a:p>
-            <a:r>
-              <a:rPr lang="en-US" sz="1000" dirty="0"/>
-              <a:t>    trap handler()</a:t>
-            </a:r>
-          </a:p>
-          <a:p>
-            <a:r>
-              <a:rPr lang="en-US" sz="1000" dirty="0"/>
-              <a:t>    print "hello world"</a:t>
-            </a:r>
-          </a:p>
-          <a:p>
-            <a:r>
-              <a:rPr lang="en-US" sz="1000" dirty="0"/>
-              <a:t>spawn thread()</a:t>
+              <a:rPr lang="en-US" sz="1000" b="1" dirty="0"/>
+              <a:t>def</a:t>
+            </a:r>
+            <a:r>
+              <a:rPr lang="en-US" sz="1000" dirty="0"/>
+              <a:t> handler():</a:t>
+            </a:r>
+          </a:p>
+          <a:p>
+            <a:r>
+              <a:rPr lang="en-US" sz="1000" dirty="0"/>
+              <a:t>    </a:t>
+            </a:r>
+            <a:r>
+              <a:rPr lang="en-US" sz="1000" b="1" dirty="0"/>
+              <a:t>print</a:t>
+            </a:r>
+            <a:r>
+              <a:rPr lang="en-US" sz="1000" dirty="0"/>
+              <a:t> "interrupt"</a:t>
+            </a:r>
+          </a:p>
+          <a:p>
+            <a:r>
+              <a:rPr lang="en-US" sz="1000" b="1" dirty="0"/>
+              <a:t>def</a:t>
+            </a:r>
+            <a:r>
+              <a:rPr lang="en-US" sz="1000" dirty="0"/>
+              <a:t> thread():</a:t>
+            </a:r>
+          </a:p>
+          <a:p>
+            <a:r>
+              <a:rPr lang="en-US" sz="1000" dirty="0"/>
+              <a:t>    </a:t>
+            </a:r>
+            <a:r>
+              <a:rPr lang="en-US" sz="1000" b="1" dirty="0"/>
+              <a:t>trap</a:t>
+            </a:r>
+            <a:r>
+              <a:rPr lang="en-US" sz="1000" dirty="0"/>
+              <a:t> handler()</a:t>
+            </a:r>
+          </a:p>
+          <a:p>
+            <a:r>
+              <a:rPr lang="en-US" sz="1000" dirty="0"/>
+              <a:t>    </a:t>
+            </a:r>
+            <a:r>
+              <a:rPr lang="en-US" sz="1000" b="1" dirty="0"/>
+              <a:t>print</a:t>
+            </a:r>
+            <a:r>
+              <a:rPr lang="en-US" sz="1000" dirty="0"/>
+              <a:t> "hello world"</a:t>
+            </a:r>
+          </a:p>
+          <a:p>
+            <a:r>
+              <a:rPr lang="en-US" sz="1000" b="1" dirty="0"/>
+              <a:t>spawn</a:t>
+            </a:r>
+            <a:r>
+              <a:rPr lang="en-US" sz="1000" dirty="0"/>
+              <a:t> thread()</a:t>
             </a:r>
           </a:p>
         </p:txBody>

--- a/paper/hello.pptx
+++ b/paper/hello.pptx
@@ -3347,7 +3347,15 @@
             </a:r>
             <a:r>
               <a:rPr lang="en-US" sz="1000" dirty="0"/>
-              <a:t> { “hello”, “ world” }</a:t>
+              <a:t> { “hello</a:t>
+            </a:r>
+            <a:r>
+              <a:rPr lang="en-US" sz="1000"/>
+              <a:t>”, “world</a:t>
+            </a:r>
+            <a:r>
+              <a:rPr lang="en-US" sz="1000" dirty="0"/>
+              <a:t>” }</a:t>
             </a:r>
           </a:p>
         </p:txBody>

--- a/paper/hello.pptx
+++ b/paper/hello.pptx
@@ -3248,7 +3248,7 @@
         </p:blipFill>
         <p:spPr>
           <a:xfrm>
-            <a:off x="2531134" y="4057581"/>
+            <a:off x="2531135" y="4057162"/>
             <a:ext cx="3783799" cy="679989"/>
           </a:xfrm>
           <a:prstGeom prst="rect">
@@ -3347,15 +3347,7 @@
             </a:r>
             <a:r>
               <a:rPr lang="en-US" sz="1000" dirty="0"/>
-              <a:t> { “hello</a:t>
-            </a:r>
-            <a:r>
-              <a:rPr lang="en-US" sz="1000"/>
-              <a:t>”, “world</a:t>
-            </a:r>
-            <a:r>
-              <a:rPr lang="en-US" sz="1000" dirty="0"/>
-              <a:t>” }</a:t>
+              <a:t> { “hello”, “world” }</a:t>
             </a:r>
           </a:p>
         </p:txBody>
@@ -3628,7 +3620,7 @@
         </p:nvSpPr>
         <p:spPr>
           <a:xfrm>
-            <a:off x="958851" y="3899951"/>
+            <a:off x="958851" y="3876506"/>
             <a:ext cx="1427511" cy="1015663"/>
           </a:xfrm>
           <a:prstGeom prst="rect">
@@ -3742,7 +3734,7 @@
         </p:nvSpPr>
         <p:spPr>
           <a:xfrm>
-            <a:off x="958851" y="6036699"/>
+            <a:off x="958851" y="4950014"/>
             <a:ext cx="975312" cy="861774"/>
           </a:xfrm>
           <a:prstGeom prst="rect">
@@ -3842,7 +3834,7 @@
         </p:blipFill>
         <p:spPr>
           <a:xfrm>
-            <a:off x="3316843" y="6154130"/>
+            <a:off x="3429000" y="5164654"/>
             <a:ext cx="2584439" cy="381063"/>
           </a:xfrm>
           <a:prstGeom prst="rect">
@@ -3864,7 +3856,7 @@
         </p:nvSpPr>
         <p:spPr>
           <a:xfrm>
-            <a:off x="1923520" y="6036699"/>
+            <a:off x="1923520" y="4950014"/>
             <a:ext cx="1313978" cy="861774"/>
           </a:xfrm>
           <a:prstGeom prst="rect">
@@ -3964,7 +3956,7 @@
         </p:nvSpPr>
         <p:spPr>
           <a:xfrm>
-            <a:off x="958852" y="4971716"/>
+            <a:off x="958852" y="5857342"/>
             <a:ext cx="1313978" cy="1015663"/>
           </a:xfrm>
           <a:prstGeom prst="rect">
@@ -4108,7 +4100,7 @@
         </p:blipFill>
         <p:spPr>
           <a:xfrm>
-            <a:off x="2669452" y="5010206"/>
+            <a:off x="2744318" y="6005860"/>
             <a:ext cx="2984216" cy="790930"/>
           </a:xfrm>
           <a:prstGeom prst="rect">
